--- a/ProyectoModulo2_LopezAdrian_IturriagaJorge_EscalanteManuel.pptx
+++ b/ProyectoModulo2_LopezAdrian_IturriagaJorge_EscalanteManuel.pptx
@@ -11,8 +11,8 @@
     <p:sldId id="256" r:id="rId2"/>
     <p:sldId id="260" r:id="rId3"/>
     <p:sldId id="257" r:id="rId4"/>
-    <p:sldId id="259" r:id="rId5"/>
-    <p:sldId id="258" r:id="rId6"/>
+    <p:sldId id="258" r:id="rId5"/>
+    <p:sldId id="259" r:id="rId6"/>
     <p:sldId id="263" r:id="rId7"/>
     <p:sldId id="262" r:id="rId8"/>
     <p:sldId id="261" r:id="rId9"/>
@@ -137,7 +137,7 @@
   <pc:docChgLst>
     <pc:chgData name="LOPEZ ENRIQUEZ, LUIS ADRIAN" userId="8fe238e8-5417-4182-8551-57c4295e91b2" providerId="ADAL" clId="{C36EE76C-7676-4849-98C5-6DA39706105F}"/>
     <pc:docChg chg="undo custSel addSld modSld sldOrd">
-      <pc:chgData name="LOPEZ ENRIQUEZ, LUIS ADRIAN" userId="8fe238e8-5417-4182-8551-57c4295e91b2" providerId="ADAL" clId="{C36EE76C-7676-4849-98C5-6DA39706105F}" dt="2022-11-03T21:10:32.688" v="3082" actId="20577"/>
+      <pc:chgData name="LOPEZ ENRIQUEZ, LUIS ADRIAN" userId="8fe238e8-5417-4182-8551-57c4295e91b2" providerId="ADAL" clId="{C36EE76C-7676-4849-98C5-6DA39706105F}" dt="2022-11-03T22:18:04.201" v="3083" actId="20578"/>
       <pc:docMkLst>
         <pc:docMk/>
       </pc:docMkLst>
@@ -484,7 +484,7 @@
         </pc:picChg>
       </pc:sldChg>
       <pc:sldChg chg="addSp delSp modSp mod ord">
-        <pc:chgData name="LOPEZ ENRIQUEZ, LUIS ADRIAN" userId="8fe238e8-5417-4182-8551-57c4295e91b2" providerId="ADAL" clId="{C36EE76C-7676-4849-98C5-6DA39706105F}" dt="2022-11-03T20:54:02.574" v="2254" actId="20578"/>
+        <pc:chgData name="LOPEZ ENRIQUEZ, LUIS ADRIAN" userId="8fe238e8-5417-4182-8551-57c4295e91b2" providerId="ADAL" clId="{C36EE76C-7676-4849-98C5-6DA39706105F}" dt="2022-11-03T22:18:04.201" v="3083" actId="20578"/>
         <pc:sldMkLst>
           <pc:docMk/>
           <pc:sldMk cId="1393573398" sldId="259"/>
@@ -6550,6 +6550,273 @@
 <file path=ppt/slides/slide4.xml><?xml version="1.0" encoding="utf-8"?>
 <p:sld xmlns:a="http://schemas.openxmlformats.org/drawingml/2006/main" xmlns:r="http://schemas.openxmlformats.org/officeDocument/2006/relationships" xmlns:p="http://schemas.openxmlformats.org/presentationml/2006/main">
   <p:cSld>
+    <p:bg>
+      <p:bgPr>
+        <a:solidFill>
+          <a:schemeClr val="bg1"/>
+        </a:solidFill>
+        <a:effectLst/>
+      </p:bgPr>
+    </p:bg>
+    <p:spTree>
+      <p:nvGrpSpPr>
+        <p:cNvPr id="1" name=""/>
+        <p:cNvGrpSpPr/>
+        <p:nvPr/>
+      </p:nvGrpSpPr>
+      <p:grpSpPr>
+        <a:xfrm>
+          <a:off x="0" y="0"/>
+          <a:ext cx="0" cy="0"/>
+          <a:chOff x="0" y="0"/>
+          <a:chExt cx="0" cy="0"/>
+        </a:xfrm>
+      </p:grpSpPr>
+      <p:sp useBgFill="1">
+        <p:nvSpPr>
+          <p:cNvPr id="2071" name="Rectangle 2073">
+            <a:extLst>
+              <a:ext uri="{FF2B5EF4-FFF2-40B4-BE49-F238E27FC236}">
+                <a16:creationId xmlns:a16="http://schemas.microsoft.com/office/drawing/2014/main" id="{9D949742-730C-4F7B-88BE-E4E69F6D1C64}"/>
+              </a:ext>
+              <a:ext uri="{C183D7F6-B498-43B3-948B-1728B52AA6E4}">
+                <adec:decorative xmlns:adec="http://schemas.microsoft.com/office/drawing/2017/decorative" val="1"/>
+              </a:ext>
+            </a:extLst>
+          </p:cNvPr>
+          <p:cNvSpPr>
+            <a:spLocks noGrp="1" noRot="1" noChangeAspect="1" noMove="1" noResize="1" noEditPoints="1" noAdjustHandles="1" noChangeArrowheads="1" noChangeShapeType="1" noTextEdit="1"/>
+          </p:cNvSpPr>
+          <p:nvPr>
+            <p:extLst>
+              <p:ext uri="{386F3935-93C4-4BCD-93E2-E3B085C9AB24}">
+                <p16:designElem xmlns:p16="http://schemas.microsoft.com/office/powerpoint/2015/main" val="1"/>
+              </p:ext>
+            </p:extLst>
+          </p:nvPr>
+        </p:nvSpPr>
+        <p:spPr>
+          <a:xfrm>
+            <a:off x="0" y="0"/>
+            <a:ext cx="12192000" cy="6858000"/>
+          </a:xfrm>
+          <a:prstGeom prst="rect">
+            <a:avLst/>
+          </a:prstGeom>
+          <a:ln w="12700" cap="flat" cmpd="sng" algn="ctr">
+            <a:noFill/>
+            <a:prstDash val="solid"/>
+            <a:miter lim="800000"/>
+          </a:ln>
+          <a:effectLst/>
+          <a:extLst>
+            <a:ext uri="{91240B29-F687-4F45-9708-019B960494DF}">
+              <a14:hiddenLine xmlns:a14="http://schemas.microsoft.com/office/drawing/2010/main" w="12700" cap="flat" cmpd="sng" algn="ctr">
+                <a:solidFill>
+                  <a:schemeClr val="accent1">
+                    <a:shade val="50000"/>
+                  </a:schemeClr>
+                </a:solidFill>
+                <a:prstDash val="solid"/>
+                <a:miter lim="800000"/>
+              </a14:hiddenLine>
+            </a:ext>
+          </a:extLst>
+        </p:spPr>
+        <p:style>
+          <a:lnRef idx="2">
+            <a:schemeClr val="accent1">
+              <a:shade val="50000"/>
+            </a:schemeClr>
+          </a:lnRef>
+          <a:fillRef idx="1">
+            <a:schemeClr val="accent1"/>
+          </a:fillRef>
+          <a:effectRef idx="0">
+            <a:schemeClr val="accent1"/>
+          </a:effectRef>
+          <a:fontRef idx="minor">
+            <a:schemeClr val="lt1"/>
+          </a:fontRef>
+        </p:style>
+        <p:txBody>
+          <a:bodyPr rtlCol="0" anchor="ctr"/>
+          <a:lstStyle/>
+          <a:p>
+            <a:pPr algn="ctr"/>
+            <a:endParaRPr lang="en-US" dirty="0"/>
+          </a:p>
+        </p:txBody>
+      </p:sp>
+      <p:sp>
+        <p:nvSpPr>
+          <p:cNvPr id="2072" name="Rectangle 2075">
+            <a:extLst>
+              <a:ext uri="{FF2B5EF4-FFF2-40B4-BE49-F238E27FC236}">
+                <a16:creationId xmlns:a16="http://schemas.microsoft.com/office/drawing/2014/main" id="{DC5C0732-01DA-4A7C-ABF5-56B3C5B039CD}"/>
+              </a:ext>
+              <a:ext uri="{C183D7F6-B498-43B3-948B-1728B52AA6E4}">
+                <adec:decorative xmlns:adec="http://schemas.microsoft.com/office/drawing/2017/decorative" val="1"/>
+              </a:ext>
+            </a:extLst>
+          </p:cNvPr>
+          <p:cNvSpPr>
+            <a:spLocks noGrp="1" noRot="1" noChangeAspect="1" noMove="1" noResize="1" noEditPoints="1" noAdjustHandles="1" noChangeArrowheads="1" noChangeShapeType="1" noTextEdit="1"/>
+          </p:cNvSpPr>
+          <p:nvPr>
+            <p:extLst>
+              <p:ext uri="{386F3935-93C4-4BCD-93E2-E3B085C9AB24}">
+                <p16:designElem xmlns:p16="http://schemas.microsoft.com/office/powerpoint/2015/main" val="1"/>
+              </p:ext>
+            </p:extLst>
+          </p:nvPr>
+        </p:nvSpPr>
+        <p:spPr>
+          <a:xfrm>
+            <a:off x="6781801" y="685801"/>
+            <a:ext cx="4724400" cy="5486400"/>
+          </a:xfrm>
+          <a:prstGeom prst="rect">
+            <a:avLst/>
+          </a:prstGeom>
+          <a:solidFill>
+            <a:schemeClr val="tx2">
+              <a:lumMod val="75000"/>
+              <a:lumOff val="25000"/>
+              <a:alpha val="25000"/>
+            </a:schemeClr>
+          </a:solidFill>
+          <a:ln>
+            <a:noFill/>
+          </a:ln>
+        </p:spPr>
+        <p:style>
+          <a:lnRef idx="2">
+            <a:schemeClr val="accent1">
+              <a:shade val="50000"/>
+            </a:schemeClr>
+          </a:lnRef>
+          <a:fillRef idx="1">
+            <a:schemeClr val="accent1"/>
+          </a:fillRef>
+          <a:effectRef idx="0">
+            <a:schemeClr val="accent1"/>
+          </a:effectRef>
+          <a:fontRef idx="minor">
+            <a:schemeClr val="lt1"/>
+          </a:fontRef>
+        </p:style>
+        <p:txBody>
+          <a:bodyPr rtlCol="0" anchor="ctr"/>
+          <a:lstStyle/>
+          <a:p>
+            <a:pPr algn="ctr"/>
+            <a:endParaRPr lang="en-US" dirty="0"/>
+          </a:p>
+        </p:txBody>
+      </p:sp>
+      <p:pic>
+        <p:nvPicPr>
+          <p:cNvPr id="4" name="Picture 8" descr="brown and blue concrete building">
+            <a:extLst>
+              <a:ext uri="{FF2B5EF4-FFF2-40B4-BE49-F238E27FC236}">
+                <a16:creationId xmlns:a16="http://schemas.microsoft.com/office/drawing/2014/main" id="{A177FF6C-93B7-2212-D663-4C33B4C13A87}"/>
+              </a:ext>
+            </a:extLst>
+          </p:cNvPr>
+          <p:cNvPicPr>
+            <a:picLocks noChangeAspect="1" noChangeArrowheads="1"/>
+          </p:cNvPicPr>
+          <p:nvPr/>
+        </p:nvPicPr>
+        <p:blipFill rotWithShape="1">
+          <a:blip r:embed="rId2">
+            <a:extLst>
+              <a:ext uri="{28A0092B-C50C-407E-A947-70E740481C1C}">
+                <a14:useLocalDpi xmlns:a14="http://schemas.microsoft.com/office/drawing/2010/main" val="0"/>
+              </a:ext>
+            </a:extLst>
+          </a:blip>
+          <a:srcRect l="10031" r="30635" b="-1"/>
+          <a:stretch/>
+        </p:blipFill>
+        <p:spPr bwMode="auto">
+          <a:xfrm>
+            <a:off x="20" y="10"/>
+            <a:ext cx="6095980" cy="6857990"/>
+          </a:xfrm>
+          <a:prstGeom prst="rect">
+            <a:avLst/>
+          </a:prstGeom>
+          <a:noFill/>
+          <a:extLst>
+            <a:ext uri="{909E8E84-426E-40DD-AFC4-6F175D3DCCD1}">
+              <a14:hiddenFill xmlns:a14="http://schemas.microsoft.com/office/drawing/2010/main">
+                <a:solidFill>
+                  <a:srgbClr val="FFFFFF"/>
+                </a:solidFill>
+              </a14:hiddenFill>
+            </a:ext>
+          </a:extLst>
+        </p:spPr>
+      </p:pic>
+      <p:sp>
+        <p:nvSpPr>
+          <p:cNvPr id="3" name="Content Placeholder 2">
+            <a:extLst>
+              <a:ext uri="{FF2B5EF4-FFF2-40B4-BE49-F238E27FC236}">
+                <a16:creationId xmlns:a16="http://schemas.microsoft.com/office/drawing/2014/main" id="{A749BBE7-AA31-CE19-E4BD-5E82C2F75749}"/>
+              </a:ext>
+            </a:extLst>
+          </p:cNvPr>
+          <p:cNvSpPr>
+            <a:spLocks noGrp="1"/>
+          </p:cNvSpPr>
+          <p:nvPr>
+            <p:ph idx="1"/>
+          </p:nvPr>
+        </p:nvSpPr>
+        <p:spPr>
+          <a:xfrm>
+            <a:off x="7378995" y="2135939"/>
+            <a:ext cx="3572540" cy="3546806"/>
+          </a:xfrm>
+        </p:spPr>
+        <p:txBody>
+          <a:bodyPr vert="horz" numCol="1">
+            <a:normAutofit/>
+          </a:bodyPr>
+          <a:lstStyle/>
+          <a:p>
+            <a:r>
+              <a:rPr lang="en-MX" dirty="0"/>
+              <a:t>Nuestro proyecto se basa en un portafolio en el cual se muestran 10 empresas en las cuáles un cliente está involucrado y quiere tener en cuenta cuáles son las empresas que mejor rendimiento tienen.</a:t>
+            </a:r>
+          </a:p>
+          <a:p>
+            <a:pPr marL="0" indent="0">
+              <a:buNone/>
+            </a:pPr>
+            <a:endParaRPr lang="en-MX" dirty="0"/>
+          </a:p>
+        </p:txBody>
+      </p:sp>
+    </p:spTree>
+    <p:extLst>
+      <p:ext uri="{BB962C8B-B14F-4D97-AF65-F5344CB8AC3E}">
+        <p14:creationId xmlns:p14="http://schemas.microsoft.com/office/powerpoint/2010/main" val="2259321498"/>
+      </p:ext>
+    </p:extLst>
+  </p:cSld>
+  <p:clrMapOvr>
+    <a:masterClrMapping/>
+  </p:clrMapOvr>
+</p:sld>
+</file>
+
+<file path=ppt/slides/slide5.xml><?xml version="1.0" encoding="utf-8"?>
+<p:sld xmlns:a="http://schemas.openxmlformats.org/drawingml/2006/main" xmlns:r="http://schemas.openxmlformats.org/officeDocument/2006/relationships" xmlns:p="http://schemas.openxmlformats.org/presentationml/2006/main">
+  <p:cSld>
     <p:spTree>
       <p:nvGrpSpPr>
         <p:cNvPr id="1" name=""/>
@@ -6914,273 +7181,6 @@
 </p:sld>
 </file>
 
-<file path=ppt/slides/slide5.xml><?xml version="1.0" encoding="utf-8"?>
-<p:sld xmlns:a="http://schemas.openxmlformats.org/drawingml/2006/main" xmlns:r="http://schemas.openxmlformats.org/officeDocument/2006/relationships" xmlns:p="http://schemas.openxmlformats.org/presentationml/2006/main">
-  <p:cSld>
-    <p:bg>
-      <p:bgPr>
-        <a:solidFill>
-          <a:schemeClr val="bg1"/>
-        </a:solidFill>
-        <a:effectLst/>
-      </p:bgPr>
-    </p:bg>
-    <p:spTree>
-      <p:nvGrpSpPr>
-        <p:cNvPr id="1" name=""/>
-        <p:cNvGrpSpPr/>
-        <p:nvPr/>
-      </p:nvGrpSpPr>
-      <p:grpSpPr>
-        <a:xfrm>
-          <a:off x="0" y="0"/>
-          <a:ext cx="0" cy="0"/>
-          <a:chOff x="0" y="0"/>
-          <a:chExt cx="0" cy="0"/>
-        </a:xfrm>
-      </p:grpSpPr>
-      <p:sp useBgFill="1">
-        <p:nvSpPr>
-          <p:cNvPr id="2071" name="Rectangle 2073">
-            <a:extLst>
-              <a:ext uri="{FF2B5EF4-FFF2-40B4-BE49-F238E27FC236}">
-                <a16:creationId xmlns:a16="http://schemas.microsoft.com/office/drawing/2014/main" id="{9D949742-730C-4F7B-88BE-E4E69F6D1C64}"/>
-              </a:ext>
-              <a:ext uri="{C183D7F6-B498-43B3-948B-1728B52AA6E4}">
-                <adec:decorative xmlns:adec="http://schemas.microsoft.com/office/drawing/2017/decorative" val="1"/>
-              </a:ext>
-            </a:extLst>
-          </p:cNvPr>
-          <p:cNvSpPr>
-            <a:spLocks noGrp="1" noRot="1" noChangeAspect="1" noMove="1" noResize="1" noEditPoints="1" noAdjustHandles="1" noChangeArrowheads="1" noChangeShapeType="1" noTextEdit="1"/>
-          </p:cNvSpPr>
-          <p:nvPr>
-            <p:extLst>
-              <p:ext uri="{386F3935-93C4-4BCD-93E2-E3B085C9AB24}">
-                <p16:designElem xmlns:p16="http://schemas.microsoft.com/office/powerpoint/2015/main" val="1"/>
-              </p:ext>
-            </p:extLst>
-          </p:nvPr>
-        </p:nvSpPr>
-        <p:spPr>
-          <a:xfrm>
-            <a:off x="0" y="0"/>
-            <a:ext cx="12192000" cy="6858000"/>
-          </a:xfrm>
-          <a:prstGeom prst="rect">
-            <a:avLst/>
-          </a:prstGeom>
-          <a:ln w="12700" cap="flat" cmpd="sng" algn="ctr">
-            <a:noFill/>
-            <a:prstDash val="solid"/>
-            <a:miter lim="800000"/>
-          </a:ln>
-          <a:effectLst/>
-          <a:extLst>
-            <a:ext uri="{91240B29-F687-4F45-9708-019B960494DF}">
-              <a14:hiddenLine xmlns:a14="http://schemas.microsoft.com/office/drawing/2010/main" w="12700" cap="flat" cmpd="sng" algn="ctr">
-                <a:solidFill>
-                  <a:schemeClr val="accent1">
-                    <a:shade val="50000"/>
-                  </a:schemeClr>
-                </a:solidFill>
-                <a:prstDash val="solid"/>
-                <a:miter lim="800000"/>
-              </a14:hiddenLine>
-            </a:ext>
-          </a:extLst>
-        </p:spPr>
-        <p:style>
-          <a:lnRef idx="2">
-            <a:schemeClr val="accent1">
-              <a:shade val="50000"/>
-            </a:schemeClr>
-          </a:lnRef>
-          <a:fillRef idx="1">
-            <a:schemeClr val="accent1"/>
-          </a:fillRef>
-          <a:effectRef idx="0">
-            <a:schemeClr val="accent1"/>
-          </a:effectRef>
-          <a:fontRef idx="minor">
-            <a:schemeClr val="lt1"/>
-          </a:fontRef>
-        </p:style>
-        <p:txBody>
-          <a:bodyPr rtlCol="0" anchor="ctr"/>
-          <a:lstStyle/>
-          <a:p>
-            <a:pPr algn="ctr"/>
-            <a:endParaRPr lang="en-US" dirty="0"/>
-          </a:p>
-        </p:txBody>
-      </p:sp>
-      <p:sp>
-        <p:nvSpPr>
-          <p:cNvPr id="2072" name="Rectangle 2075">
-            <a:extLst>
-              <a:ext uri="{FF2B5EF4-FFF2-40B4-BE49-F238E27FC236}">
-                <a16:creationId xmlns:a16="http://schemas.microsoft.com/office/drawing/2014/main" id="{DC5C0732-01DA-4A7C-ABF5-56B3C5B039CD}"/>
-              </a:ext>
-              <a:ext uri="{C183D7F6-B498-43B3-948B-1728B52AA6E4}">
-                <adec:decorative xmlns:adec="http://schemas.microsoft.com/office/drawing/2017/decorative" val="1"/>
-              </a:ext>
-            </a:extLst>
-          </p:cNvPr>
-          <p:cNvSpPr>
-            <a:spLocks noGrp="1" noRot="1" noChangeAspect="1" noMove="1" noResize="1" noEditPoints="1" noAdjustHandles="1" noChangeArrowheads="1" noChangeShapeType="1" noTextEdit="1"/>
-          </p:cNvSpPr>
-          <p:nvPr>
-            <p:extLst>
-              <p:ext uri="{386F3935-93C4-4BCD-93E2-E3B085C9AB24}">
-                <p16:designElem xmlns:p16="http://schemas.microsoft.com/office/powerpoint/2015/main" val="1"/>
-              </p:ext>
-            </p:extLst>
-          </p:nvPr>
-        </p:nvSpPr>
-        <p:spPr>
-          <a:xfrm>
-            <a:off x="6781801" y="685801"/>
-            <a:ext cx="4724400" cy="5486400"/>
-          </a:xfrm>
-          <a:prstGeom prst="rect">
-            <a:avLst/>
-          </a:prstGeom>
-          <a:solidFill>
-            <a:schemeClr val="tx2">
-              <a:lumMod val="75000"/>
-              <a:lumOff val="25000"/>
-              <a:alpha val="25000"/>
-            </a:schemeClr>
-          </a:solidFill>
-          <a:ln>
-            <a:noFill/>
-          </a:ln>
-        </p:spPr>
-        <p:style>
-          <a:lnRef idx="2">
-            <a:schemeClr val="accent1">
-              <a:shade val="50000"/>
-            </a:schemeClr>
-          </a:lnRef>
-          <a:fillRef idx="1">
-            <a:schemeClr val="accent1"/>
-          </a:fillRef>
-          <a:effectRef idx="0">
-            <a:schemeClr val="accent1"/>
-          </a:effectRef>
-          <a:fontRef idx="minor">
-            <a:schemeClr val="lt1"/>
-          </a:fontRef>
-        </p:style>
-        <p:txBody>
-          <a:bodyPr rtlCol="0" anchor="ctr"/>
-          <a:lstStyle/>
-          <a:p>
-            <a:pPr algn="ctr"/>
-            <a:endParaRPr lang="en-US" dirty="0"/>
-          </a:p>
-        </p:txBody>
-      </p:sp>
-      <p:pic>
-        <p:nvPicPr>
-          <p:cNvPr id="4" name="Picture 8" descr="brown and blue concrete building">
-            <a:extLst>
-              <a:ext uri="{FF2B5EF4-FFF2-40B4-BE49-F238E27FC236}">
-                <a16:creationId xmlns:a16="http://schemas.microsoft.com/office/drawing/2014/main" id="{A177FF6C-93B7-2212-D663-4C33B4C13A87}"/>
-              </a:ext>
-            </a:extLst>
-          </p:cNvPr>
-          <p:cNvPicPr>
-            <a:picLocks noChangeAspect="1" noChangeArrowheads="1"/>
-          </p:cNvPicPr>
-          <p:nvPr/>
-        </p:nvPicPr>
-        <p:blipFill rotWithShape="1">
-          <a:blip r:embed="rId2">
-            <a:extLst>
-              <a:ext uri="{28A0092B-C50C-407E-A947-70E740481C1C}">
-                <a14:useLocalDpi xmlns:a14="http://schemas.microsoft.com/office/drawing/2010/main" val="0"/>
-              </a:ext>
-            </a:extLst>
-          </a:blip>
-          <a:srcRect l="10031" r="30635" b="-1"/>
-          <a:stretch/>
-        </p:blipFill>
-        <p:spPr bwMode="auto">
-          <a:xfrm>
-            <a:off x="20" y="10"/>
-            <a:ext cx="6095980" cy="6857990"/>
-          </a:xfrm>
-          <a:prstGeom prst="rect">
-            <a:avLst/>
-          </a:prstGeom>
-          <a:noFill/>
-          <a:extLst>
-            <a:ext uri="{909E8E84-426E-40DD-AFC4-6F175D3DCCD1}">
-              <a14:hiddenFill xmlns:a14="http://schemas.microsoft.com/office/drawing/2010/main">
-                <a:solidFill>
-                  <a:srgbClr val="FFFFFF"/>
-                </a:solidFill>
-              </a14:hiddenFill>
-            </a:ext>
-          </a:extLst>
-        </p:spPr>
-      </p:pic>
-      <p:sp>
-        <p:nvSpPr>
-          <p:cNvPr id="3" name="Content Placeholder 2">
-            <a:extLst>
-              <a:ext uri="{FF2B5EF4-FFF2-40B4-BE49-F238E27FC236}">
-                <a16:creationId xmlns:a16="http://schemas.microsoft.com/office/drawing/2014/main" id="{A749BBE7-AA31-CE19-E4BD-5E82C2F75749}"/>
-              </a:ext>
-            </a:extLst>
-          </p:cNvPr>
-          <p:cNvSpPr>
-            <a:spLocks noGrp="1"/>
-          </p:cNvSpPr>
-          <p:nvPr>
-            <p:ph idx="1"/>
-          </p:nvPr>
-        </p:nvSpPr>
-        <p:spPr>
-          <a:xfrm>
-            <a:off x="7378995" y="2135939"/>
-            <a:ext cx="3572540" cy="3546806"/>
-          </a:xfrm>
-        </p:spPr>
-        <p:txBody>
-          <a:bodyPr vert="horz" numCol="1">
-            <a:normAutofit/>
-          </a:bodyPr>
-          <a:lstStyle/>
-          <a:p>
-            <a:r>
-              <a:rPr lang="en-MX" dirty="0"/>
-              <a:t>Nuestro proyecto se basa en un portafolio en el cual se muestran 10 empresas en las cuáles un cliente está involucrado y quiere tener en cuenta cuáles son las empresas que mejor rendimiento tienen.</a:t>
-            </a:r>
-          </a:p>
-          <a:p>
-            <a:pPr marL="0" indent="0">
-              <a:buNone/>
-            </a:pPr>
-            <a:endParaRPr lang="en-MX" dirty="0"/>
-          </a:p>
-        </p:txBody>
-      </p:sp>
-    </p:spTree>
-    <p:extLst>
-      <p:ext uri="{BB962C8B-B14F-4D97-AF65-F5344CB8AC3E}">
-        <p14:creationId xmlns:p14="http://schemas.microsoft.com/office/powerpoint/2010/main" val="2259321498"/>
-      </p:ext>
-    </p:extLst>
-  </p:cSld>
-  <p:clrMapOvr>
-    <a:masterClrMapping/>
-  </p:clrMapOvr>
-</p:sld>
-</file>
-
 <file path=ppt/slides/slide6.xml><?xml version="1.0" encoding="utf-8"?>
 <p:sld xmlns:a="http://schemas.openxmlformats.org/drawingml/2006/main" xmlns:r="http://schemas.openxmlformats.org/officeDocument/2006/relationships" xmlns:p="http://schemas.openxmlformats.org/presentationml/2006/main">
   <p:cSld>
@@ -7863,10 +7863,9 @@
           </a:p>
           <a:p>
             <a:r>
-              <a:rPr lang="en-MX"/>
+              <a:rPr lang="en-MX" dirty="0"/>
               <a:t>Todo esto migrando a las áreas de minería, famaceutica o hidrocarburos.</a:t>
             </a:r>
-            <a:endParaRPr lang="en-MX" dirty="0"/>
           </a:p>
         </p:txBody>
       </p:sp>
